--- a/likai/slides.pptx
+++ b/likai/slides.pptx
@@ -6,6 +6,8 @@
   </p:sldMasterIdLst>
   <p:sldIdLst>
     <p:sldId id="256" r:id="rId2"/>
+    <p:sldId id="257" r:id="rId3"/>
+    <p:sldId id="258" r:id="rId4"/>
   </p:sldIdLst>
   <p:sldSz cx="12192000" cy="6858000"/>
   <p:notesSz cx="6858000" cy="9144000"/>
@@ -104,6 +106,11 @@
       </a:defRPr>
     </a:lvl9pPr>
   </p:defaultTextStyle>
+  <p:extLst>
+    <p:ext uri="{EFAFB233-063F-42B5-8137-9DF3F51BA10A}">
+      <p15:sldGuideLst xmlns:p15="http://schemas.microsoft.com/office/powerpoint/2012/main"/>
+    </p:ext>
+  </p:extLst>
 </p:presentation>
 </file>
 
@@ -111,6 +118,7 @@
 <p1510:revInfo xmlns:a="http://schemas.openxmlformats.org/drawingml/2006/main" xmlns:r="http://schemas.openxmlformats.org/officeDocument/2006/relationships" xmlns:p1510="http://schemas.microsoft.com/office/powerpoint/2015/10/main">
   <p1510:revLst>
     <p1510:client id="{D9BE7550-7AB3-48CB-82A2-12360C005C3F}" v="21" dt="2019-03-14T05:54:48.601"/>
+    <p1510:client id="{D2695D64-6F89-42CB-A345-519315771959}" v="12" dt="2019-03-14T06:18:56.584"/>
   </p1510:revLst>
 </p1510:revInfo>
 </file>
@@ -136,6 +144,84 @@
             <pc:docMk/>
             <pc:sldMk cId="2697654693" sldId="256"/>
             <ac:spMk id="2" creationId="{506DF577-D68F-4EE2-855A-A6248B3BEAC3}"/>
+          </ac:spMkLst>
+        </pc:spChg>
+      </pc:sldChg>
+    </pc:docChg>
+  </pc:docChgLst>
+  <pc:docChgLst>
+    <pc:chgData name="Li Kai" userId="ef42190ddb396410" providerId="LiveId" clId="{D2695D64-6F89-42CB-A345-519315771959}"/>
+    <pc:docChg chg="custSel addSld modSld">
+      <pc:chgData name="Li Kai" userId="ef42190ddb396410" providerId="LiveId" clId="{D2695D64-6F89-42CB-A345-519315771959}" dt="2019-03-14T06:19:06.279" v="64" actId="1076"/>
+      <pc:docMkLst>
+        <pc:docMk/>
+      </pc:docMkLst>
+      <pc:sldChg chg="modSp">
+        <pc:chgData name="Li Kai" userId="ef42190ddb396410" providerId="LiveId" clId="{D2695D64-6F89-42CB-A345-519315771959}" dt="2019-03-14T06:14:45.993" v="55" actId="20577"/>
+        <pc:sldMkLst>
+          <pc:docMk/>
+          <pc:sldMk cId="2697654693" sldId="256"/>
+        </pc:sldMkLst>
+        <pc:spChg chg="mod">
+          <ac:chgData name="Li Kai" userId="ef42190ddb396410" providerId="LiveId" clId="{D2695D64-6F89-42CB-A345-519315771959}" dt="2019-03-14T06:14:45.993" v="55" actId="20577"/>
+          <ac:spMkLst>
+            <pc:docMk/>
+            <pc:sldMk cId="2697654693" sldId="256"/>
+            <ac:spMk id="2" creationId="{506DF577-D68F-4EE2-855A-A6248B3BEAC3}"/>
+          </ac:spMkLst>
+        </pc:spChg>
+      </pc:sldChg>
+      <pc:sldChg chg="modSp add">
+        <pc:chgData name="Li Kai" userId="ef42190ddb396410" providerId="LiveId" clId="{D2695D64-6F89-42CB-A345-519315771959}" dt="2019-03-14T06:13:50.679" v="34" actId="27636"/>
+        <pc:sldMkLst>
+          <pc:docMk/>
+          <pc:sldMk cId="2468244782" sldId="257"/>
+        </pc:sldMkLst>
+        <pc:spChg chg="mod">
+          <ac:chgData name="Li Kai" userId="ef42190ddb396410" providerId="LiveId" clId="{D2695D64-6F89-42CB-A345-519315771959}" dt="2019-03-14T06:13:43.122" v="32"/>
+          <ac:spMkLst>
+            <pc:docMk/>
+            <pc:sldMk cId="2468244782" sldId="257"/>
+            <ac:spMk id="2" creationId="{7515F6A6-0026-46B3-A775-015B61C6AA31}"/>
+          </ac:spMkLst>
+        </pc:spChg>
+        <pc:spChg chg="mod">
+          <ac:chgData name="Li Kai" userId="ef42190ddb396410" providerId="LiveId" clId="{D2695D64-6F89-42CB-A345-519315771959}" dt="2019-03-14T06:13:50.679" v="34" actId="27636"/>
+          <ac:spMkLst>
+            <pc:docMk/>
+            <pc:sldMk cId="2468244782" sldId="257"/>
+            <ac:spMk id="3" creationId="{AC06CCA4-237E-4078-8941-1BC00BCCBBCA}"/>
+          </ac:spMkLst>
+        </pc:spChg>
+      </pc:sldChg>
+      <pc:sldChg chg="addSp delSp modSp add">
+        <pc:chgData name="Li Kai" userId="ef42190ddb396410" providerId="LiveId" clId="{D2695D64-6F89-42CB-A345-519315771959}" dt="2019-03-14T06:19:06.279" v="64" actId="1076"/>
+        <pc:sldMkLst>
+          <pc:docMk/>
+          <pc:sldMk cId="3766867015" sldId="258"/>
+        </pc:sldMkLst>
+        <pc:spChg chg="del">
+          <ac:chgData name="Li Kai" userId="ef42190ddb396410" providerId="LiveId" clId="{D2695D64-6F89-42CB-A345-519315771959}" dt="2019-03-14T06:18:41.936" v="58" actId="478"/>
+          <ac:spMkLst>
+            <pc:docMk/>
+            <pc:sldMk cId="3766867015" sldId="258"/>
+            <ac:spMk id="2" creationId="{968045D1-E4FC-4B62-9F93-AFF56FD9AA65}"/>
+          </ac:spMkLst>
+        </pc:spChg>
+        <pc:spChg chg="mod">
+          <ac:chgData name="Li Kai" userId="ef42190ddb396410" providerId="LiveId" clId="{D2695D64-6F89-42CB-A345-519315771959}" dt="2019-03-14T06:18:52.336" v="60" actId="1076"/>
+          <ac:spMkLst>
+            <pc:docMk/>
+            <pc:sldMk cId="3766867015" sldId="258"/>
+            <ac:spMk id="3" creationId="{6466FEEC-4CED-43E2-893F-9700079FCD86}"/>
+          </ac:spMkLst>
+        </pc:spChg>
+        <pc:spChg chg="add mod">
+          <ac:chgData name="Li Kai" userId="ef42190ddb396410" providerId="LiveId" clId="{D2695D64-6F89-42CB-A345-519315771959}" dt="2019-03-14T06:19:06.279" v="64" actId="1076"/>
+          <ac:spMkLst>
+            <pc:docMk/>
+            <pc:sldMk cId="3766867015" sldId="258"/>
+            <ac:spMk id="4" creationId="{DAFD175B-9872-4B4A-9D2B-917147FCD4F1}"/>
           </ac:spMkLst>
         </pc:spChg>
       </pc:sldChg>
@@ -3402,15 +3488,7 @@
           <a:p>
             <a:r>
               <a:rPr lang="zh-CN" altLang="en-US" dirty="0"/>
-              <a:t>进化规划与</a:t>
-            </a:r>
-            <a:r>
-              <a:rPr lang="en-US" altLang="zh-CN" dirty="0"/>
-              <a:t>AGV</a:t>
-            </a:r>
-            <a:r>
-              <a:rPr lang="zh-CN" altLang="en-US" dirty="0"/>
-              <a:t>路径规划</a:t>
+              <a:t>进化算法与路径规划</a:t>
             </a:r>
           </a:p>
         </p:txBody>
@@ -3444,6 +3522,324 @@
     <p:extLst>
       <p:ext uri="{BB962C8B-B14F-4D97-AF65-F5344CB8AC3E}">
         <p14:creationId xmlns:p14="http://schemas.microsoft.com/office/powerpoint/2010/main" val="2697654693"/>
+      </p:ext>
+    </p:extLst>
+  </p:cSld>
+  <p:clrMapOvr>
+    <a:masterClrMapping/>
+  </p:clrMapOvr>
+</p:sld>
+</file>
+
+<file path=ppt/slides/slide2.xml><?xml version="1.0" encoding="utf-8"?>
+<p:sld xmlns:a="http://schemas.openxmlformats.org/drawingml/2006/main" xmlns:r="http://schemas.openxmlformats.org/officeDocument/2006/relationships" xmlns:p="http://schemas.openxmlformats.org/presentationml/2006/main">
+  <p:cSld>
+    <p:spTree>
+      <p:nvGrpSpPr>
+        <p:cNvPr id="1" name=""/>
+        <p:cNvGrpSpPr/>
+        <p:nvPr/>
+      </p:nvGrpSpPr>
+      <p:grpSpPr>
+        <a:xfrm>
+          <a:off x="0" y="0"/>
+          <a:ext cx="0" cy="0"/>
+          <a:chOff x="0" y="0"/>
+          <a:chExt cx="0" cy="0"/>
+        </a:xfrm>
+      </p:grpSpPr>
+      <p:sp>
+        <p:nvSpPr>
+          <p:cNvPr id="2" name="Title 1">
+            <a:extLst>
+              <a:ext uri="{FF2B5EF4-FFF2-40B4-BE49-F238E27FC236}">
+                <a16:creationId xmlns:a16="http://schemas.microsoft.com/office/drawing/2014/main" id="{7515F6A6-0026-46B3-A775-015B61C6AA31}"/>
+              </a:ext>
+            </a:extLst>
+          </p:cNvPr>
+          <p:cNvSpPr>
+            <a:spLocks noGrp="1"/>
+          </p:cNvSpPr>
+          <p:nvPr>
+            <p:ph type="title"/>
+          </p:nvPr>
+        </p:nvSpPr>
+        <p:spPr/>
+        <p:txBody>
+          <a:bodyPr/>
+          <a:lstStyle/>
+          <a:p>
+            <a:r>
+              <a:rPr lang="zh-CN" altLang="en-US" dirty="0"/>
+              <a:t>参考文献</a:t>
+            </a:r>
+          </a:p>
+        </p:txBody>
+      </p:sp>
+      <p:sp>
+        <p:nvSpPr>
+          <p:cNvPr id="3" name="Content Placeholder 2">
+            <a:extLst>
+              <a:ext uri="{FF2B5EF4-FFF2-40B4-BE49-F238E27FC236}">
+                <a16:creationId xmlns:a16="http://schemas.microsoft.com/office/drawing/2014/main" id="{AC06CCA4-237E-4078-8941-1BC00BCCBBCA}"/>
+              </a:ext>
+            </a:extLst>
+          </p:cNvPr>
+          <p:cNvSpPr>
+            <a:spLocks noGrp="1"/>
+          </p:cNvSpPr>
+          <p:nvPr>
+            <p:ph idx="1"/>
+          </p:nvPr>
+        </p:nvSpPr>
+        <p:spPr>
+          <a:xfrm>
+            <a:off x="838200" y="1825624"/>
+            <a:ext cx="10515600" cy="4857979"/>
+          </a:xfrm>
+        </p:spPr>
+        <p:txBody>
+          <a:bodyPr>
+            <a:normAutofit fontScale="85000" lnSpcReduction="20000"/>
+          </a:bodyPr>
+          <a:lstStyle/>
+          <a:p>
+            <a:r>
+              <a:rPr lang="en-US" altLang="zh-CN" dirty="0" err="1"/>
+              <a:t>Fetanat</a:t>
+            </a:r>
+            <a:r>
+              <a:rPr lang="en-US" altLang="zh-CN" dirty="0"/>
+              <a:t> M, </a:t>
+            </a:r>
+            <a:r>
+              <a:rPr lang="en-US" altLang="zh-CN" dirty="0" err="1"/>
+              <a:t>Haghzad</a:t>
+            </a:r>
+            <a:r>
+              <a:rPr lang="en-US" altLang="zh-CN" dirty="0"/>
+              <a:t> S, </a:t>
+            </a:r>
+            <a:r>
+              <a:rPr lang="en-US" altLang="zh-CN" dirty="0" err="1"/>
+              <a:t>Shouraki</a:t>
+            </a:r>
+            <a:r>
+              <a:rPr lang="en-US" altLang="zh-CN" dirty="0"/>
+              <a:t> S B. Optimization of dynamic mobile robot path planning based on evolutionary methods[C]//2015 AI &amp; Robotics (IRANOPEN). IEEE, 2015: 1-7.</a:t>
+            </a:r>
+          </a:p>
+          <a:p>
+            <a:endParaRPr lang="en-US" altLang="zh-CN" dirty="0"/>
+          </a:p>
+          <a:p>
+            <a:r>
+              <a:rPr lang="en-US" altLang="zh-CN" dirty="0"/>
+              <a:t>Contreras-Cruz M A, Ayala-Ramirez V, Hernandez-Belmonte U H. Mobile robot path planning using artificial bee colony and evolutionary programming[J]. Applied Soft Computing, 2015, 30: 319-328.</a:t>
+            </a:r>
+          </a:p>
+          <a:p>
+            <a:endParaRPr lang="en-US" altLang="zh-CN" dirty="0"/>
+          </a:p>
+          <a:p>
+            <a:r>
+              <a:rPr lang="en-US" altLang="zh-CN" dirty="0" err="1"/>
+              <a:t>Faridi</a:t>
+            </a:r>
+            <a:r>
+              <a:rPr lang="en-US" altLang="zh-CN" dirty="0"/>
+              <a:t> A Q, Sharma S, Shukla A, et al. Multi-robot multi-target dynamic path planning using artificial bee colony and evolutionary programming in unknown environment[J]. Intelligent Service Robotics, 2018, 11(2): 171-186.</a:t>
+            </a:r>
+          </a:p>
+          <a:p>
+            <a:endParaRPr lang="en-US" altLang="zh-CN" dirty="0"/>
+          </a:p>
+          <a:p>
+            <a:r>
+              <a:rPr lang="en-US" altLang="zh-CN" dirty="0"/>
+              <a:t>Orozco-Rosas U, Montiel O, </a:t>
+            </a:r>
+            <a:r>
+              <a:rPr lang="en-US" altLang="zh-CN" dirty="0" err="1"/>
+              <a:t>Sepúlveda</a:t>
+            </a:r>
+            <a:r>
+              <a:rPr lang="en-US" altLang="zh-CN" dirty="0"/>
+              <a:t> R. Mobile robot path planning using membrane evolutionary artificial potential field[J]. Applied Soft Computing, 2019.</a:t>
+            </a:r>
+            <a:endParaRPr lang="zh-CN" altLang="en-US" dirty="0"/>
+          </a:p>
+        </p:txBody>
+      </p:sp>
+    </p:spTree>
+    <p:extLst>
+      <p:ext uri="{BB962C8B-B14F-4D97-AF65-F5344CB8AC3E}">
+        <p14:creationId xmlns:p14="http://schemas.microsoft.com/office/powerpoint/2010/main" val="2468244782"/>
+      </p:ext>
+    </p:extLst>
+  </p:cSld>
+  <p:clrMapOvr>
+    <a:masterClrMapping/>
+  </p:clrMapOvr>
+</p:sld>
+</file>
+
+<file path=ppt/slides/slide3.xml><?xml version="1.0" encoding="utf-8"?>
+<p:sld xmlns:a="http://schemas.openxmlformats.org/drawingml/2006/main" xmlns:r="http://schemas.openxmlformats.org/officeDocument/2006/relationships" xmlns:p="http://schemas.openxmlformats.org/presentationml/2006/main">
+  <p:cSld>
+    <p:spTree>
+      <p:nvGrpSpPr>
+        <p:cNvPr id="1" name=""/>
+        <p:cNvGrpSpPr/>
+        <p:nvPr/>
+      </p:nvGrpSpPr>
+      <p:grpSpPr>
+        <a:xfrm>
+          <a:off x="0" y="0"/>
+          <a:ext cx="0" cy="0"/>
+          <a:chOff x="0" y="0"/>
+          <a:chExt cx="0" cy="0"/>
+        </a:xfrm>
+      </p:grpSpPr>
+      <p:sp>
+        <p:nvSpPr>
+          <p:cNvPr id="3" name="Content Placeholder 2">
+            <a:extLst>
+              <a:ext uri="{FF2B5EF4-FFF2-40B4-BE49-F238E27FC236}">
+                <a16:creationId xmlns:a16="http://schemas.microsoft.com/office/drawing/2014/main" id="{6466FEEC-4CED-43E2-893F-9700079FCD86}"/>
+              </a:ext>
+            </a:extLst>
+          </p:cNvPr>
+          <p:cNvSpPr>
+            <a:spLocks noGrp="1"/>
+          </p:cNvSpPr>
+          <p:nvPr>
+            <p:ph idx="1"/>
+          </p:nvPr>
+        </p:nvSpPr>
+        <p:spPr>
+          <a:xfrm>
+            <a:off x="706224" y="2318994"/>
+            <a:ext cx="10515600" cy="5102307"/>
+          </a:xfrm>
+        </p:spPr>
+        <p:txBody>
+          <a:bodyPr/>
+          <a:lstStyle/>
+          <a:p>
+            <a:r>
+              <a:rPr lang="zh-CN" altLang="en-US" dirty="0"/>
+              <a:t>本文介绍了动态移动机器人路径规划优化的进化方法。 在动态移动路径规划中，目标是找到从起点到目标点的最佳可行路径，其具有各种障碍，以及所提出的路径中的平滑性和安全性。 模式搜索（</a:t>
+            </a:r>
+            <a:r>
+              <a:rPr lang="en-US" altLang="zh-CN" dirty="0"/>
+              <a:t>PS</a:t>
+            </a:r>
+            <a:r>
+              <a:rPr lang="zh-CN" altLang="en-US" dirty="0"/>
+              <a:t>）算法，遗传算法（</a:t>
+            </a:r>
+            <a:r>
+              <a:rPr lang="en-US" altLang="zh-CN" dirty="0"/>
+              <a:t>GA</a:t>
+            </a:r>
+            <a:r>
+              <a:rPr lang="zh-CN" altLang="en-US" dirty="0"/>
+              <a:t>）和粒子群优化（</a:t>
+            </a:r>
+            <a:r>
+              <a:rPr lang="en-US" altLang="zh-CN" dirty="0"/>
+              <a:t>PSO</a:t>
+            </a:r>
+            <a:r>
+              <a:rPr lang="zh-CN" altLang="en-US" dirty="0"/>
+              <a:t>）用于寻找移动机器人到达目标点并避障的最佳路径。 为了显示所提出方法的成功，首先将它们应用于具有障碍物中的动态环境的两个不同路径。 第一个结果表明</a:t>
+            </a:r>
+            <a:r>
+              <a:rPr lang="en-US" altLang="zh-CN" dirty="0"/>
+              <a:t>PSO</a:t>
+            </a:r>
+            <a:r>
+              <a:rPr lang="zh-CN" altLang="en-US" dirty="0"/>
+              <a:t>算法是收敛的，并且最好地使目标函数最小化，而</a:t>
+            </a:r>
+            <a:r>
+              <a:rPr lang="en-US" altLang="zh-CN" dirty="0"/>
+              <a:t>PS</a:t>
+            </a:r>
+            <a:r>
+              <a:rPr lang="zh-CN" altLang="en-US" dirty="0"/>
+              <a:t>在初始和修改环境中与其他算法相比具有更低的时间。 第二个测试路径是在</a:t>
+            </a:r>
+            <a:r>
+              <a:rPr lang="en-US" altLang="zh-CN" dirty="0"/>
+              <a:t>z</a:t>
+            </a:r>
+            <a:r>
+              <a:rPr lang="zh-CN" altLang="en-US" dirty="0"/>
+              <a:t>型环境中，我们比较上面提到的算法。 同样在这种环境中，重复相同的结果。</a:t>
+            </a:r>
+          </a:p>
+        </p:txBody>
+      </p:sp>
+      <p:sp>
+        <p:nvSpPr>
+          <p:cNvPr id="4" name="Rectangle 3">
+            <a:extLst>
+              <a:ext uri="{FF2B5EF4-FFF2-40B4-BE49-F238E27FC236}">
+                <a16:creationId xmlns:a16="http://schemas.microsoft.com/office/drawing/2014/main" id="{DAFD175B-9872-4B4A-9D2B-917147FCD4F1}"/>
+              </a:ext>
+            </a:extLst>
+          </p:cNvPr>
+          <p:cNvSpPr/>
+          <p:nvPr/>
+        </p:nvSpPr>
+        <p:spPr>
+          <a:xfrm>
+            <a:off x="1040090" y="1047171"/>
+            <a:ext cx="10181734" cy="646331"/>
+          </a:xfrm>
+          <a:prstGeom prst="rect">
+            <a:avLst/>
+          </a:prstGeom>
+        </p:spPr>
+        <p:txBody>
+          <a:bodyPr wrap="square">
+            <a:spAutoFit/>
+          </a:bodyPr>
+          <a:lstStyle/>
+          <a:p>
+            <a:r>
+              <a:rPr lang="en-US" altLang="zh-CN" dirty="0" err="1"/>
+              <a:t>Fetanat</a:t>
+            </a:r>
+            <a:r>
+              <a:rPr lang="en-US" altLang="zh-CN" dirty="0"/>
+              <a:t> M, </a:t>
+            </a:r>
+            <a:r>
+              <a:rPr lang="en-US" altLang="zh-CN" dirty="0" err="1"/>
+              <a:t>Haghzad</a:t>
+            </a:r>
+            <a:r>
+              <a:rPr lang="en-US" altLang="zh-CN" dirty="0"/>
+              <a:t> S, </a:t>
+            </a:r>
+            <a:r>
+              <a:rPr lang="en-US" altLang="zh-CN" dirty="0" err="1"/>
+              <a:t>Shouraki</a:t>
+            </a:r>
+            <a:r>
+              <a:rPr lang="en-US" altLang="zh-CN" dirty="0"/>
+              <a:t> S B. Optimization of dynamic mobile robot path planning based on evolutionary methods[C]//2015 AI &amp; Robotics (IRANOPEN). IEEE, 2015: 1-7.</a:t>
+            </a:r>
+          </a:p>
+        </p:txBody>
+      </p:sp>
+    </p:spTree>
+    <p:extLst>
+      <p:ext uri="{BB962C8B-B14F-4D97-AF65-F5344CB8AC3E}">
+        <p14:creationId xmlns:p14="http://schemas.microsoft.com/office/powerpoint/2010/main" val="3766867015"/>
       </p:ext>
     </p:extLst>
   </p:cSld>
